--- a/presentation-projet.pptx
+++ b/presentation-projet.pptx
@@ -126,6 +126,30 @@
     </a:lvl9pPr>
   </p:defaultTextStyle>
 </p:presentation>
+</file>
+
+<file path=ppt/commentAuthors.xml><?xml version="1.0" encoding="utf-8"?>
+<p:cmAuthorLst xmlns:a="http://schemas.openxmlformats.org/drawingml/2006/main" xmlns:r="http://schemas.openxmlformats.org/officeDocument/2006/relationships" xmlns:p="http://schemas.openxmlformats.org/presentationml/2006/main">
+  <p:cmAuthor id="0" name="Ali MONTACIR" initials="AMt" lastIdx="2" clrIdx="0"/>
+</p:cmAuthorLst>
+</file>
+
+<file path=ppt/comments/comment1.xml><?xml version="1.0" encoding="utf-8"?>
+<p:cmLst xmlns:a="http://schemas.openxmlformats.org/drawingml/2006/main" xmlns:r="http://schemas.openxmlformats.org/officeDocument/2006/relationships" xmlns:p="http://schemas.openxmlformats.org/presentationml/2006/main">
+  <p:cm authorId="0" dt="2018-06-24T21:09:30.786" idx="1">
+    <p:pos x="2139" y="1494"/>
+    <p:text>ok pour moi</p:text>
+  </p:cm>
+</p:cmLst>
+</file>
+
+<file path=ppt/comments/comment2.xml><?xml version="1.0" encoding="utf-8"?>
+<p:cmLst xmlns:a="http://schemas.openxmlformats.org/drawingml/2006/main" xmlns:r="http://schemas.openxmlformats.org/officeDocument/2006/relationships" xmlns:p="http://schemas.openxmlformats.org/presentationml/2006/main">
+  <p:cm authorId="0" dt="2018-06-24T21:09:54.023" idx="2">
+    <p:pos x="2912" y="1437"/>
+    <p:text>cette valeur est manquante</p:text>
+  </p:cm>
+</p:cmLst>
 </file>
 
 <file path=ppt/handoutMasters/handoutMaster1.xml><?xml version="1.0" encoding="utf-8"?>
@@ -5333,22 +5357,22 @@
           <a:lstStyle/>
           <a:p>
             <a:r>
-              <a:rPr lang="fr-FR" sz="2400" u="sng" dirty="0" smtClean="0"/>
+              <a:rPr lang="fr-FR" sz="2400" u="sng" strike="sngStrike" dirty="0" smtClean="0"/>
               <a:t>Choix:</a:t>
             </a:r>
             <a:r>
-              <a:rPr lang="fr-FR" sz="2400" dirty="0" smtClean="0"/>
+              <a:rPr lang="fr-FR" sz="2400" strike="sngStrike" dirty="0" smtClean="0"/>
               <a:t> utilisation d’une copie statique pour pouvoir valider l’approche et éviter les problèmes d’accès à la base. </a:t>
             </a:r>
             <a:r>
-              <a:rPr lang="fr-FR" sz="2400" i="1" dirty="0" smtClean="0">
+              <a:rPr lang="fr-FR" sz="2400" i="1" strike="sngStrike" dirty="0" smtClean="0">
                 <a:solidFill>
                   <a:schemeClr val="accent3"/>
                 </a:solidFill>
               </a:rPr>
               <a:t>(pas  besoin de le savoir )</a:t>
             </a:r>
-            <a:endParaRPr lang="fr-FR" sz="2400" i="1" dirty="0" smtClean="0"/>
+            <a:endParaRPr lang="fr-FR" sz="2400" i="1" strike="sngStrike" dirty="0" smtClean="0"/>
           </a:p>
           <a:p>
             <a:r>

--- a/presentation-projet.pptx
+++ b/presentation-projet.pptx
@@ -126,30 +126,6 @@
     </a:lvl9pPr>
   </p:defaultTextStyle>
 </p:presentation>
-</file>
-
-<file path=ppt/commentAuthors.xml><?xml version="1.0" encoding="utf-8"?>
-<p:cmAuthorLst xmlns:a="http://schemas.openxmlformats.org/drawingml/2006/main" xmlns:r="http://schemas.openxmlformats.org/officeDocument/2006/relationships" xmlns:p="http://schemas.openxmlformats.org/presentationml/2006/main">
-  <p:cmAuthor id="0" name="Ali MONTACIR" initials="AMt" lastIdx="2" clrIdx="0"/>
-</p:cmAuthorLst>
-</file>
-
-<file path=ppt/comments/comment1.xml><?xml version="1.0" encoding="utf-8"?>
-<p:cmLst xmlns:a="http://schemas.openxmlformats.org/drawingml/2006/main" xmlns:r="http://schemas.openxmlformats.org/officeDocument/2006/relationships" xmlns:p="http://schemas.openxmlformats.org/presentationml/2006/main">
-  <p:cm authorId="0" dt="2018-06-24T21:09:30.786" idx="1">
-    <p:pos x="2139" y="1494"/>
-    <p:text>ok pour moi</p:text>
-  </p:cm>
-</p:cmLst>
-</file>
-
-<file path=ppt/comments/comment2.xml><?xml version="1.0" encoding="utf-8"?>
-<p:cmLst xmlns:a="http://schemas.openxmlformats.org/drawingml/2006/main" xmlns:r="http://schemas.openxmlformats.org/officeDocument/2006/relationships" xmlns:p="http://schemas.openxmlformats.org/presentationml/2006/main">
-  <p:cm authorId="0" dt="2018-06-24T21:09:54.023" idx="2">
-    <p:pos x="2912" y="1437"/>
-    <p:text>cette valeur est manquante</p:text>
-  </p:cm>
-</p:cmLst>
 </file>
 
 <file path=ppt/handoutMasters/handoutMaster1.xml><?xml version="1.0" encoding="utf-8"?>
@@ -5357,22 +5333,22 @@
           <a:lstStyle/>
           <a:p>
             <a:r>
-              <a:rPr lang="fr-FR" sz="2400" u="sng" strike="sngStrike" dirty="0" smtClean="0"/>
+              <a:rPr lang="fr-FR" sz="2400" u="sng" dirty="0" smtClean="0"/>
               <a:t>Choix:</a:t>
             </a:r>
             <a:r>
-              <a:rPr lang="fr-FR" sz="2400" strike="sngStrike" dirty="0" smtClean="0"/>
+              <a:rPr lang="fr-FR" sz="2400" dirty="0" smtClean="0"/>
               <a:t> utilisation d’une copie statique pour pouvoir valider l’approche et éviter les problèmes d’accès à la base. </a:t>
             </a:r>
             <a:r>
-              <a:rPr lang="fr-FR" sz="2400" i="1" strike="sngStrike" dirty="0" smtClean="0">
+              <a:rPr lang="fr-FR" sz="2400" i="1" dirty="0" smtClean="0">
                 <a:solidFill>
                   <a:schemeClr val="accent3"/>
                 </a:solidFill>
               </a:rPr>
               <a:t>(pas  besoin de le savoir )</a:t>
             </a:r>
-            <a:endParaRPr lang="fr-FR" sz="2400" i="1" strike="sngStrike" dirty="0" smtClean="0"/>
+            <a:endParaRPr lang="fr-FR" sz="2400" i="1" dirty="0" smtClean="0"/>
           </a:p>
           <a:p>
             <a:r>

--- a/presentation-projet.pptx
+++ b/presentation-projet.pptx
@@ -128,6 +128,12 @@
 </p:presentation>
 </file>
 
+<file path=ppt/commentAuthors.xml><?xml version="1.0" encoding="utf-8"?>
+<p:cmAuthorLst xmlns:a="http://schemas.openxmlformats.org/drawingml/2006/main" xmlns:r="http://schemas.openxmlformats.org/officeDocument/2006/relationships" xmlns:p="http://schemas.openxmlformats.org/presentationml/2006/main">
+  <p:cmAuthor id="0" name="Ali MONTACIR" initials="AMt" lastIdx="2" clrIdx="0"/>
+</p:cmAuthorLst>
+</file>
+
 <file path=ppt/handoutMasters/handoutMaster1.xml><?xml version="1.0" encoding="utf-8"?>
 <p:handoutMaster xmlns:a="http://schemas.openxmlformats.org/drawingml/2006/main" xmlns:r="http://schemas.openxmlformats.org/officeDocument/2006/relationships" xmlns:p="http://schemas.openxmlformats.org/presentationml/2006/main">
   <p:cSld>
@@ -210,7 +216,7 @@
           <a:p>
             <a:fld id="{AFD28BA0-871F-4AC4-81A9-DDD98E05CC98}" type="datetimeFigureOut">
               <a:rPr lang="fr-FR" smtClean="0"/>
-              <a:t>24/06/2018</a:t>
+              <a:t>25/06/2018</a:t>
             </a:fld>
             <a:endParaRPr lang="fr-FR"/>
           </a:p>
@@ -515,7 +521,7 @@
           <a:p>
             <a:fld id="{AA309A6D-C09C-4548-B29A-6CF363A7E532}" type="datetimeFigureOut">
               <a:rPr lang="fr-FR" smtClean="0"/>
-              <a:t>24/06/2018</a:t>
+              <a:t>25/06/2018</a:t>
             </a:fld>
             <a:endParaRPr lang="fr-BE"/>
           </a:p>
@@ -680,7 +686,7 @@
           <a:p>
             <a:fld id="{AA309A6D-C09C-4548-B29A-6CF363A7E532}" type="datetimeFigureOut">
               <a:rPr lang="fr-FR" smtClean="0"/>
-              <a:t>24/06/2018</a:t>
+              <a:t>25/06/2018</a:t>
             </a:fld>
             <a:endParaRPr lang="fr-BE"/>
           </a:p>
@@ -855,7 +861,7 @@
           <a:p>
             <a:fld id="{AA309A6D-C09C-4548-B29A-6CF363A7E532}" type="datetimeFigureOut">
               <a:rPr lang="fr-FR" smtClean="0"/>
-              <a:t>24/06/2018</a:t>
+              <a:t>25/06/2018</a:t>
             </a:fld>
             <a:endParaRPr lang="fr-BE"/>
           </a:p>
@@ -1020,7 +1026,7 @@
           <a:p>
             <a:fld id="{AA309A6D-C09C-4548-B29A-6CF363A7E532}" type="datetimeFigureOut">
               <a:rPr lang="fr-FR" smtClean="0"/>
-              <a:t>24/06/2018</a:t>
+              <a:t>25/06/2018</a:t>
             </a:fld>
             <a:endParaRPr lang="fr-BE"/>
           </a:p>
@@ -1261,7 +1267,7 @@
           <a:p>
             <a:fld id="{AA309A6D-C09C-4548-B29A-6CF363A7E532}" type="datetimeFigureOut">
               <a:rPr lang="fr-FR" smtClean="0"/>
-              <a:t>24/06/2018</a:t>
+              <a:t>25/06/2018</a:t>
             </a:fld>
             <a:endParaRPr lang="fr-BE"/>
           </a:p>
@@ -1544,7 +1550,7 @@
           <a:p>
             <a:fld id="{AA309A6D-C09C-4548-B29A-6CF363A7E532}" type="datetimeFigureOut">
               <a:rPr lang="fr-FR" smtClean="0"/>
-              <a:t>24/06/2018</a:t>
+              <a:t>25/06/2018</a:t>
             </a:fld>
             <a:endParaRPr lang="fr-BE"/>
           </a:p>
@@ -1961,7 +1967,7 @@
           <a:p>
             <a:fld id="{AA309A6D-C09C-4548-B29A-6CF363A7E532}" type="datetimeFigureOut">
               <a:rPr lang="fr-FR" smtClean="0"/>
-              <a:t>24/06/2018</a:t>
+              <a:t>25/06/2018</a:t>
             </a:fld>
             <a:endParaRPr lang="fr-BE"/>
           </a:p>
@@ -2074,7 +2080,7 @@
           <a:p>
             <a:fld id="{AA309A6D-C09C-4548-B29A-6CF363A7E532}" type="datetimeFigureOut">
               <a:rPr lang="fr-FR" smtClean="0"/>
-              <a:t>24/06/2018</a:t>
+              <a:t>25/06/2018</a:t>
             </a:fld>
             <a:endParaRPr lang="fr-BE"/>
           </a:p>
@@ -2164,7 +2170,7 @@
           <a:p>
             <a:fld id="{AA309A6D-C09C-4548-B29A-6CF363A7E532}" type="datetimeFigureOut">
               <a:rPr lang="fr-FR" smtClean="0"/>
-              <a:t>24/06/2018</a:t>
+              <a:t>25/06/2018</a:t>
             </a:fld>
             <a:endParaRPr lang="fr-BE"/>
           </a:p>
@@ -2436,7 +2442,7 @@
           <a:p>
             <a:fld id="{AA309A6D-C09C-4548-B29A-6CF363A7E532}" type="datetimeFigureOut">
               <a:rPr lang="fr-FR" smtClean="0"/>
-              <a:t>24/06/2018</a:t>
+              <a:t>25/06/2018</a:t>
             </a:fld>
             <a:endParaRPr lang="fr-BE"/>
           </a:p>
@@ -2684,7 +2690,7 @@
           <a:p>
             <a:fld id="{AA309A6D-C09C-4548-B29A-6CF363A7E532}" type="datetimeFigureOut">
               <a:rPr lang="fr-FR" smtClean="0"/>
-              <a:t>24/06/2018</a:t>
+              <a:t>25/06/2018</a:t>
             </a:fld>
             <a:endParaRPr lang="fr-BE"/>
           </a:p>
@@ -2892,7 +2898,7 @@
           <a:p>
             <a:fld id="{AA309A6D-C09C-4548-B29A-6CF363A7E532}" type="datetimeFigureOut">
               <a:rPr lang="fr-FR" smtClean="0"/>
-              <a:t>24/06/2018</a:t>
+              <a:t>25/06/2018</a:t>
             </a:fld>
             <a:endParaRPr lang="fr-BE"/>
           </a:p>
@@ -3480,7 +3486,7 @@
       </p:sp>
       <p:pic>
         <p:nvPicPr>
-          <p:cNvPr id="5" name="Espace réservé du contenu 4"/>
+          <p:cNvPr id="4" name="Espace réservé du contenu 3"/>
           <p:cNvPicPr>
             <a:picLocks noGrp="1" noChangeAspect="1"/>
           </p:cNvPicPr>
@@ -3502,8 +3508,8 @@
         </p:blipFill>
         <p:spPr>
           <a:xfrm>
-            <a:off x="496109" y="1600200"/>
-            <a:ext cx="8151781" cy="4525963"/>
+            <a:off x="553544" y="1600200"/>
+            <a:ext cx="8036912" cy="4525963"/>
           </a:xfrm>
         </p:spPr>
       </p:pic>
@@ -4143,14 +4149,14 @@
           <p:nvPr>
             <p:extLst>
               <p:ext uri="{D42A27DB-BD31-4B8C-83A1-F6EECF244321}">
-                <p14:modId xmlns:p14="http://schemas.microsoft.com/office/powerpoint/2010/main" val="799388259"/>
+                <p14:modId xmlns:p14="http://schemas.microsoft.com/office/powerpoint/2010/main" val="2103415527"/>
               </p:ext>
             </p:extLst>
           </p:nvPr>
         </p:nvGraphicFramePr>
         <p:xfrm>
           <a:off x="457200" y="1600200"/>
-          <a:ext cx="8229600" cy="4211320"/>
+          <a:ext cx="8229600" cy="3571240"/>
         </p:xfrm>
         <a:graphic>
           <a:graphicData uri="http://schemas.openxmlformats.org/drawingml/2006/table">
@@ -4200,44 +4206,6 @@
                         <a:t>Taux de faux négatifs</a:t>
                       </a:r>
                       <a:endParaRPr lang="fr-FR" dirty="0"/>
-                    </a:p>
-                  </a:txBody>
-                  <a:tcPr/>
-                </a:tc>
-              </a:tr>
-              <a:tr h="370840">
-                <a:tc>
-                  <a:txBody>
-                    <a:bodyPr/>
-                    <a:lstStyle/>
-                    <a:p>
-                      <a:r>
-                        <a:rPr lang="fr-FR" dirty="0" smtClean="0"/>
-                        <a:t>GLM/ GLM STEP</a:t>
-                      </a:r>
-                    </a:p>
-                    <a:p>
-                      <a:endParaRPr lang="fr-FR" dirty="0"/>
-                    </a:p>
-                  </a:txBody>
-                  <a:tcPr/>
-                </a:tc>
-                <a:tc>
-                  <a:txBody>
-                    <a:bodyPr/>
-                    <a:lstStyle/>
-                    <a:p>
-                      <a:endParaRPr lang="fr-FR" dirty="0"/>
-                    </a:p>
-                  </a:txBody>
-                  <a:tcPr/>
-                </a:tc>
-                <a:tc>
-                  <a:txBody>
-                    <a:bodyPr/>
-                    <a:lstStyle/>
-                    <a:p>
-                      <a:endParaRPr lang="fr-FR"/>
                     </a:p>
                   </a:txBody>
                   <a:tcPr/>
@@ -5304,12 +5272,12 @@
           <a:lstStyle/>
           <a:p>
             <a:r>
-              <a:rPr lang="fr-FR" dirty="0" err="1" smtClean="0"/>
-              <a:t>Contruction</a:t>
-            </a:r>
-            <a:r>
               <a:rPr lang="fr-FR" dirty="0" smtClean="0"/>
-              <a:t> du data frame de travail</a:t>
+              <a:t>Construction </a:t>
+            </a:r>
+            <a:r>
+              <a:rPr lang="fr-FR" dirty="0" smtClean="0"/>
+              <a:t>du data frame de travail</a:t>
             </a:r>
             <a:endParaRPr lang="fr-FR" dirty="0"/>
           </a:p>
@@ -5334,25 +5302,6 @@
           <a:p>
             <a:r>
               <a:rPr lang="fr-FR" sz="2400" u="sng" dirty="0" smtClean="0"/>
-              <a:t>Choix:</a:t>
-            </a:r>
-            <a:r>
-              <a:rPr lang="fr-FR" sz="2400" dirty="0" smtClean="0"/>
-              <a:t> utilisation d’une copie statique pour pouvoir valider l’approche et éviter les problèmes d’accès à la base. </a:t>
-            </a:r>
-            <a:r>
-              <a:rPr lang="fr-FR" sz="2400" i="1" dirty="0" smtClean="0">
-                <a:solidFill>
-                  <a:schemeClr val="accent3"/>
-                </a:solidFill>
-              </a:rPr>
-              <a:t>(pas  besoin de le savoir )</a:t>
-            </a:r>
-            <a:endParaRPr lang="fr-FR" sz="2400" i="1" dirty="0" smtClean="0"/>
-          </a:p>
-          <a:p>
-            <a:r>
-              <a:rPr lang="fr-FR" sz="2400" u="sng" dirty="0" smtClean="0"/>
               <a:t>Sélections </a:t>
             </a:r>
             <a:r>
@@ -5401,33 +5350,39 @@
             <a:endParaRPr lang="fr-FR" sz="1600" dirty="0" smtClean="0"/>
           </a:p>
           <a:p>
-            <a:pPr marL="0" indent="0">
-              <a:buNone/>
-            </a:pPr>
-            <a:r>
-              <a:rPr lang="fr-FR" sz="1600" dirty="0" smtClean="0"/>
-              <a:t>        </a:t>
-            </a:r>
+            <a:endParaRPr lang="fr-FR" sz="2400" u="sng" dirty="0"/>
+          </a:p>
+          <a:p>
             <a:r>
               <a:rPr lang="fr-FR" sz="2400" dirty="0" err="1" smtClean="0"/>
               <a:t>Dataset</a:t>
             </a:r>
             <a:r>
               <a:rPr lang="fr-FR" sz="2400" dirty="0" smtClean="0"/>
-              <a:t> finale </a:t>
+              <a:t> </a:t>
+            </a:r>
+            <a:r>
+              <a:rPr lang="fr-FR" sz="2400" dirty="0"/>
+              <a:t>finale </a:t>
             </a:r>
             <a:r>
               <a:rPr lang="fr-FR" sz="2400" dirty="0"/>
               <a:t>trials créé </a:t>
             </a:r>
             <a:r>
+              <a:rPr lang="fr-FR" sz="2400" dirty="0"/>
+              <a:t>pour analyse de 107265 </a:t>
+            </a:r>
+            <a:r>
               <a:rPr lang="fr-FR" sz="2400" dirty="0" smtClean="0"/>
-              <a:t>pour analyse de 107265 </a:t>
-            </a:r>
-            <a:r>
-              <a:rPr lang="fr-FR" sz="2400" dirty="0"/>
               <a:t>lignes</a:t>
             </a:r>
+          </a:p>
+          <a:p>
+            <a:pPr marL="0" indent="0">
+              <a:buNone/>
+            </a:pPr>
+            <a:endParaRPr lang="fr-FR" sz="2400" dirty="0"/>
           </a:p>
           <a:p>
             <a:r>
@@ -6570,7 +6525,7 @@
             <p:ph idx="1"/>
             <p:extLst>
               <p:ext uri="{D42A27DB-BD31-4B8C-83A1-F6EECF244321}">
-                <p14:modId xmlns:p14="http://schemas.microsoft.com/office/powerpoint/2010/main" val="3948425496"/>
+                <p14:modId xmlns:p14="http://schemas.microsoft.com/office/powerpoint/2010/main" val="582561949"/>
               </p:ext>
             </p:extLst>
           </p:nvPr>
@@ -6664,6 +6619,10 @@
                     <a:lstStyle/>
                     <a:p>
                       <a:pPr algn="ctr"/>
+                      <a:r>
+                        <a:rPr lang="fr-FR" dirty="0" smtClean="0"/>
+                        <a:t>0.706</a:t>
+                      </a:r>
                       <a:endParaRPr lang="fr-FR" dirty="0"/>
                     </a:p>
                   </a:txBody>
